--- a/presentation/pres.pptx
+++ b/presentation/pres.pptx
@@ -293,7 +293,7 @@
           <a:p>
             <a:fld id="{89E49CF8-CFD2-4484-8007-505A99954A56}" type="datetimeFigureOut">
               <a:rPr lang="de-CH" smtClean="0"/>
-              <a:t>18.01.2016</a:t>
+              <a:t>19.01.2016</a:t>
             </a:fld>
             <a:endParaRPr lang="de-CH"/>
           </a:p>
@@ -463,7 +463,7 @@
           <a:p>
             <a:fld id="{89E49CF8-CFD2-4484-8007-505A99954A56}" type="datetimeFigureOut">
               <a:rPr lang="de-CH" smtClean="0"/>
-              <a:t>18.01.2016</a:t>
+              <a:t>19.01.2016</a:t>
             </a:fld>
             <a:endParaRPr lang="de-CH"/>
           </a:p>
@@ -643,7 +643,7 @@
           <a:p>
             <a:fld id="{89E49CF8-CFD2-4484-8007-505A99954A56}" type="datetimeFigureOut">
               <a:rPr lang="de-CH" smtClean="0"/>
-              <a:t>18.01.2016</a:t>
+              <a:t>19.01.2016</a:t>
             </a:fld>
             <a:endParaRPr lang="de-CH"/>
           </a:p>
@@ -813,7 +813,7 @@
           <a:p>
             <a:fld id="{89E49CF8-CFD2-4484-8007-505A99954A56}" type="datetimeFigureOut">
               <a:rPr lang="de-CH" smtClean="0"/>
-              <a:t>18.01.2016</a:t>
+              <a:t>19.01.2016</a:t>
             </a:fld>
             <a:endParaRPr lang="de-CH"/>
           </a:p>
@@ -1059,7 +1059,7 @@
           <a:p>
             <a:fld id="{89E49CF8-CFD2-4484-8007-505A99954A56}" type="datetimeFigureOut">
               <a:rPr lang="de-CH" smtClean="0"/>
-              <a:t>18.01.2016</a:t>
+              <a:t>19.01.2016</a:t>
             </a:fld>
             <a:endParaRPr lang="de-CH"/>
           </a:p>
@@ -1347,7 +1347,7 @@
           <a:p>
             <a:fld id="{89E49CF8-CFD2-4484-8007-505A99954A56}" type="datetimeFigureOut">
               <a:rPr lang="de-CH" smtClean="0"/>
-              <a:t>18.01.2016</a:t>
+              <a:t>19.01.2016</a:t>
             </a:fld>
             <a:endParaRPr lang="de-CH"/>
           </a:p>
@@ -1769,7 +1769,7 @@
           <a:p>
             <a:fld id="{89E49CF8-CFD2-4484-8007-505A99954A56}" type="datetimeFigureOut">
               <a:rPr lang="de-CH" smtClean="0"/>
-              <a:t>18.01.2016</a:t>
+              <a:t>19.01.2016</a:t>
             </a:fld>
             <a:endParaRPr lang="de-CH"/>
           </a:p>
@@ -1887,7 +1887,7 @@
           <a:p>
             <a:fld id="{89E49CF8-CFD2-4484-8007-505A99954A56}" type="datetimeFigureOut">
               <a:rPr lang="de-CH" smtClean="0"/>
-              <a:t>18.01.2016</a:t>
+              <a:t>19.01.2016</a:t>
             </a:fld>
             <a:endParaRPr lang="de-CH"/>
           </a:p>
@@ -1982,7 +1982,7 @@
           <a:p>
             <a:fld id="{89E49CF8-CFD2-4484-8007-505A99954A56}" type="datetimeFigureOut">
               <a:rPr lang="de-CH" smtClean="0"/>
-              <a:t>18.01.2016</a:t>
+              <a:t>19.01.2016</a:t>
             </a:fld>
             <a:endParaRPr lang="de-CH"/>
           </a:p>
@@ -2259,7 +2259,7 @@
           <a:p>
             <a:fld id="{89E49CF8-CFD2-4484-8007-505A99954A56}" type="datetimeFigureOut">
               <a:rPr lang="de-CH" smtClean="0"/>
-              <a:t>18.01.2016</a:t>
+              <a:t>19.01.2016</a:t>
             </a:fld>
             <a:endParaRPr lang="de-CH"/>
           </a:p>
@@ -2512,7 +2512,7 @@
           <a:p>
             <a:fld id="{89E49CF8-CFD2-4484-8007-505A99954A56}" type="datetimeFigureOut">
               <a:rPr lang="de-CH" smtClean="0"/>
-              <a:t>18.01.2016</a:t>
+              <a:t>19.01.2016</a:t>
             </a:fld>
             <a:endParaRPr lang="de-CH"/>
           </a:p>
@@ -2725,7 +2725,7 @@
           <a:p>
             <a:fld id="{89E49CF8-CFD2-4484-8007-505A99954A56}" type="datetimeFigureOut">
               <a:rPr lang="de-CH" smtClean="0"/>
-              <a:t>18.01.2016</a:t>
+              <a:t>19.01.2016</a:t>
             </a:fld>
             <a:endParaRPr lang="de-CH"/>
           </a:p>
@@ -3312,7 +3312,15 @@
             <a:pPr lvl="1"/>
             <a:r>
               <a:rPr lang="de-CH" sz="1200" dirty="0" smtClean="0"/>
-              <a:t>Keine Ahnung wie</a:t>
+              <a:t>Keine Ahnung </a:t>
+            </a:r>
+            <a:r>
+              <a:rPr lang="de-CH" sz="1200" dirty="0" smtClean="0"/>
+              <a:t>wie </a:t>
+            </a:r>
+            <a:r>
+              <a:rPr lang="de-CH" sz="1200" smtClean="0"/>
+              <a:t>(Rotationspunkt?)</a:t>
             </a:r>
             <a:endParaRPr lang="de-CH" sz="1200" dirty="0"/>
           </a:p>
@@ -3334,7 +3342,15 @@
             </a:r>
             <a:r>
               <a:rPr lang="de-CH" sz="1200" dirty="0"/>
-              <a:t> Ca. 435 je Fingerprint gibt ca. 100000 Vergleiche</a:t>
+              <a:t> Ca. 435 je Fingerprint gibt ca. </a:t>
+            </a:r>
+            <a:r>
+              <a:rPr lang="de-CH" sz="1200" dirty="0" smtClean="0"/>
+              <a:t>200000 </a:t>
+            </a:r>
+            <a:r>
+              <a:rPr lang="de-CH" sz="1200" dirty="0"/>
+              <a:t>Vergleiche</a:t>
             </a:r>
           </a:p>
           <a:p>
@@ -3742,7 +3758,23 @@
             <a:pPr lvl="1"/>
             <a:r>
               <a:rPr lang="de-CH" sz="1200" dirty="0" smtClean="0"/>
-              <a:t>Wie schon erwähnt ca. 100000 Vergleiche. Durch die Rotationsanwendung 100000 hoch Rotationsschritte</a:t>
+              <a:t>Wie schon erwähnt ca. </a:t>
+            </a:r>
+            <a:r>
+              <a:rPr lang="de-CH" sz="1200" dirty="0" smtClean="0"/>
+              <a:t>200000 </a:t>
+            </a:r>
+            <a:r>
+              <a:rPr lang="de-CH" sz="1200" dirty="0" smtClean="0"/>
+              <a:t>Vergleiche. Durch die Rotationsanwendung </a:t>
+            </a:r>
+            <a:r>
+              <a:rPr lang="de-CH" sz="1200" dirty="0" smtClean="0"/>
+              <a:t>200000 </a:t>
+            </a:r>
+            <a:r>
+              <a:rPr lang="de-CH" sz="1200" dirty="0" smtClean="0"/>
+              <a:t>hoch Rotationsschritte</a:t>
             </a:r>
           </a:p>
           <a:p>
@@ -3835,40 +3867,8 @@
             </a:r>
             <a:r>
               <a:rPr lang="de-CH" sz="1200" dirty="0" smtClean="0"/>
-              <a:t>etestet mit dem Funktionsaufruf act2(Fingerprint 1,Fingerprint 2,4,1,50,10) liefert es für alle Beispielsresultate aus der Aufgabenstellung das richtige Ergebnis</a:t>
-            </a:r>
-            <a:r>
-              <a:rPr lang="de-CH" sz="1200" dirty="0" smtClean="0"/>
-              <a:t>.</a:t>
-            </a:r>
-          </a:p>
-          <a:p>
-            <a:pPr lvl="1"/>
-            <a:r>
-              <a:rPr lang="de-CH" sz="1200" dirty="0" smtClean="0"/>
-              <a:t>Die Genauigkeit für die Überprüfung von </a:t>
-            </a:r>
-            <a:r>
-              <a:rPr lang="de-CH" sz="1200" dirty="0" err="1"/>
-              <a:t>K</a:t>
-            </a:r>
-            <a:r>
-              <a:rPr lang="de-CH" sz="1200" dirty="0" err="1" smtClean="0"/>
-              <a:t>ollinearität</a:t>
-            </a:r>
-            <a:r>
-              <a:rPr lang="de-CH" sz="1200" dirty="0" smtClean="0"/>
-              <a:t> </a:t>
-            </a:r>
-            <a:r>
-              <a:rPr lang="de-CH" sz="1200" dirty="0" err="1" smtClean="0"/>
-              <a:t>ligt</a:t>
-            </a:r>
-            <a:r>
-              <a:rPr lang="de-CH" sz="1200" dirty="0" smtClean="0"/>
-              <a:t> bei 2 Dezimalstellen</a:t>
-            </a:r>
-            <a:endParaRPr lang="de-CH" sz="1200" dirty="0" smtClean="0"/>
+              <a:t>etestet mit dem Funktionsaufruf act2(Fingerprint 1,Fingerprint 2,4,1,50,10) liefert es für alle Beispielsresultate aus der Aufgabenstellung das richtige Ergebnis.</a:t>
+            </a:r>
           </a:p>
           <a:p>
             <a:pPr lvl="1"/>
@@ -4088,35 +4088,15 @@
             <a:pPr lvl="1"/>
             <a:r>
               <a:rPr lang="de-CH" sz="1200" dirty="0" smtClean="0"/>
-              <a:t>Dauert viel zu lange bei einer solch schlechten Laufzeit (O(n</a:t>
-            </a:r>
-            <a:r>
-              <a:rPr lang="de-CH" sz="1200" baseline="30000" dirty="0" smtClean="0"/>
-              <a:t>3</a:t>
-            </a:r>
-            <a:r>
-              <a:rPr lang="de-CH" sz="1200" dirty="0" smtClean="0"/>
-              <a:t>))</a:t>
-            </a:r>
-          </a:p>
-          <a:p>
-            <a:pPr lvl="1"/>
-            <a:r>
-              <a:rPr lang="de-CH" sz="1200" dirty="0" smtClean="0"/>
-              <a:t>Resultat nur Glück</a:t>
-            </a:r>
-            <a:r>
-              <a:rPr lang="de-CH" sz="1200" dirty="0" smtClean="0"/>
-              <a:t>?</a:t>
-            </a:r>
-          </a:p>
-          <a:p>
-            <a:pPr lvl="1"/>
-            <a:r>
-              <a:rPr lang="de-CH" sz="1200" dirty="0" smtClean="0"/>
-              <a:t>Zu viel Code</a:t>
-            </a:r>
-            <a:endParaRPr lang="de-CH" sz="1200" dirty="0" smtClean="0"/>
+              <a:t>Dauert viel zu lange bei einer solch schlechten Laufzeit</a:t>
+            </a:r>
+          </a:p>
+          <a:p>
+            <a:pPr lvl="1"/>
+            <a:r>
+              <a:rPr lang="de-CH" sz="1200" dirty="0" smtClean="0"/>
+              <a:t>Resultat nur Glück?</a:t>
+            </a:r>
           </a:p>
           <a:p>
             <a:r>
@@ -4168,7 +4148,14 @@
             <a:pPr lvl="1"/>
             <a:r>
               <a:rPr lang="de-CH" sz="1200" dirty="0" smtClean="0"/>
-              <a:t>Durch sortieren eine kluge Reihenfolge erstellen, sodass die Vektoren sinnvoller ausgewählt werden können</a:t>
+              <a:t>Codeoptimierung</a:t>
+            </a:r>
+          </a:p>
+          <a:p>
+            <a:pPr lvl="1"/>
+            <a:r>
+              <a:rPr lang="de-CH" sz="1200" dirty="0" smtClean="0"/>
+              <a:t>Multithreading</a:t>
             </a:r>
             <a:endParaRPr lang="de-CH" sz="1200" dirty="0" smtClean="0"/>
           </a:p>
